--- a/문서/프로젝트_스위칭.pptx
+++ b/문서/프로젝트_스위칭.pptx
@@ -221,7 +221,7 @@
           <a:p>
             <a:fld id="{36B428EB-F3A7-4A96-BB1D-43FE156CDB2B}" type="datetimeFigureOut">
               <a:rPr lang="ko-KR" altLang="en-US" smtClean="0"/>
-              <a:t>2019-09-04</a:t>
+              <a:t>2019-09-09</a:t>
             </a:fld>
             <a:endParaRPr lang="ko-KR" altLang="en-US" dirty="0"/>
           </a:p>
@@ -12411,7 +12411,7 @@
         </p:nvSpPr>
         <p:spPr>
           <a:xfrm rot="2539017">
-            <a:off x="1253637" y="2617950"/>
+            <a:off x="1253637" y="2230413"/>
             <a:ext cx="1313980" cy="276835"/>
           </a:xfrm>
           <a:custGeom>
@@ -12691,7 +12691,7 @@
         </p:nvGrpSpPr>
         <p:grpSpPr>
           <a:xfrm>
-            <a:off x="2171462" y="2772790"/>
+            <a:off x="2171462" y="2385253"/>
             <a:ext cx="6786461" cy="1032210"/>
             <a:chOff x="2210409" y="1330362"/>
             <a:chExt cx="2853408" cy="1032210"/>
@@ -12926,6 +12926,261 @@
                   <a:cs typeface="Arial" pitchFamily="34" charset="0"/>
                 </a:rPr>
                 <a:t>등장인물</a:t>
+              </a:r>
+            </a:p>
+          </p:txBody>
+        </p:sp>
+      </p:grpSp>
+      <p:sp>
+        <p:nvSpPr>
+          <p:cNvPr id="14" name="Rounded Rectangle 7">
+            <a:extLst>
+              <a:ext uri="{FF2B5EF4-FFF2-40B4-BE49-F238E27FC236}">
+                <a16:creationId xmlns:a16="http://schemas.microsoft.com/office/drawing/2014/main" id="{87D64199-5A5A-4F7F-A529-46B40954560D}"/>
+              </a:ext>
+            </a:extLst>
+          </p:cNvPr>
+          <p:cNvSpPr/>
+          <p:nvPr/>
+        </p:nvSpPr>
+        <p:spPr>
+          <a:xfrm rot="2539017">
+            <a:off x="1210622" y="3454370"/>
+            <a:ext cx="1313980" cy="276835"/>
+          </a:xfrm>
+          <a:custGeom>
+            <a:avLst/>
+            <a:gdLst/>
+            <a:ahLst/>
+            <a:cxnLst/>
+            <a:rect l="l" t="t" r="r" b="b"/>
+            <a:pathLst>
+              <a:path w="1313980" h="276835">
+                <a:moveTo>
+                  <a:pt x="282631" y="184641"/>
+                </a:moveTo>
+                <a:cubicBezTo>
+                  <a:pt x="292404" y="174868"/>
+                  <a:pt x="305907" y="168823"/>
+                  <a:pt x="320820" y="168822"/>
+                </a:cubicBezTo>
+                <a:lnTo>
+                  <a:pt x="1281494" y="168822"/>
+                </a:lnTo>
+                <a:lnTo>
+                  <a:pt x="1162861" y="276834"/>
+                </a:lnTo>
+                <a:lnTo>
+                  <a:pt x="320820" y="276835"/>
+                </a:lnTo>
+                <a:cubicBezTo>
+                  <a:pt x="290992" y="276835"/>
+                  <a:pt x="266814" y="252656"/>
+                  <a:pt x="266814" y="222829"/>
+                </a:cubicBezTo>
+                <a:cubicBezTo>
+                  <a:pt x="266814" y="207915"/>
+                  <a:pt x="272859" y="194413"/>
+                  <a:pt x="282631" y="184641"/>
+                </a:cubicBezTo>
+                <a:close/>
+                <a:moveTo>
+                  <a:pt x="15817" y="15819"/>
+                </a:moveTo>
+                <a:cubicBezTo>
+                  <a:pt x="25590" y="6046"/>
+                  <a:pt x="39091" y="1"/>
+                  <a:pt x="54005" y="1"/>
+                </a:cubicBezTo>
+                <a:lnTo>
+                  <a:pt x="1215638" y="0"/>
+                </a:lnTo>
+                <a:lnTo>
+                  <a:pt x="1313980" y="108013"/>
+                </a:lnTo>
+                <a:lnTo>
+                  <a:pt x="54005" y="108013"/>
+                </a:lnTo>
+                <a:cubicBezTo>
+                  <a:pt x="24178" y="108013"/>
+                  <a:pt x="0" y="83834"/>
+                  <a:pt x="0" y="54007"/>
+                </a:cubicBezTo>
+                <a:cubicBezTo>
+                  <a:pt x="0" y="39093"/>
+                  <a:pt x="6044" y="25592"/>
+                  <a:pt x="15817" y="15819"/>
+                </a:cubicBezTo>
+                <a:close/>
+              </a:path>
+            </a:pathLst>
+          </a:custGeom>
+          <a:solidFill>
+            <a:schemeClr val="bg1">
+              <a:alpha val="21000"/>
+            </a:schemeClr>
+          </a:solidFill>
+          <a:ln>
+            <a:noFill/>
+          </a:ln>
+        </p:spPr>
+        <p:style>
+          <a:lnRef idx="2">
+            <a:schemeClr val="accent1">
+              <a:shade val="50000"/>
+            </a:schemeClr>
+          </a:lnRef>
+          <a:fillRef idx="1">
+            <a:schemeClr val="accent1"/>
+          </a:fillRef>
+          <a:effectRef idx="0">
+            <a:schemeClr val="accent1"/>
+          </a:effectRef>
+          <a:fontRef idx="minor">
+            <a:schemeClr val="lt1"/>
+          </a:fontRef>
+        </p:style>
+        <p:txBody>
+          <a:bodyPr rtlCol="0" anchor="ctr"/>
+          <a:lstStyle/>
+          <a:p>
+            <a:pPr algn="ctr"/>
+            <a:endParaRPr lang="en-US" dirty="0"/>
+          </a:p>
+        </p:txBody>
+      </p:sp>
+      <p:grpSp>
+        <p:nvGrpSpPr>
+          <p:cNvPr id="15" name="Group 7">
+            <a:extLst>
+              <a:ext uri="{FF2B5EF4-FFF2-40B4-BE49-F238E27FC236}">
+                <a16:creationId xmlns:a16="http://schemas.microsoft.com/office/drawing/2014/main" id="{31E81127-0CC4-4C48-AAE1-53726EC03ED2}"/>
+              </a:ext>
+            </a:extLst>
+          </p:cNvPr>
+          <p:cNvGrpSpPr/>
+          <p:nvPr/>
+        </p:nvGrpSpPr>
+        <p:grpSpPr>
+          <a:xfrm>
+            <a:off x="2171462" y="3587625"/>
+            <a:ext cx="6786461" cy="601323"/>
+            <a:chOff x="2210409" y="1330362"/>
+            <a:chExt cx="2853408" cy="601323"/>
+          </a:xfrm>
+        </p:grpSpPr>
+        <p:sp>
+          <p:nvSpPr>
+            <p:cNvPr id="19" name="TextBox 18">
+              <a:extLst>
+                <a:ext uri="{FF2B5EF4-FFF2-40B4-BE49-F238E27FC236}">
+                  <a16:creationId xmlns:a16="http://schemas.microsoft.com/office/drawing/2014/main" id="{28E00566-2D6E-4435-8D3B-250504187106}"/>
+                </a:ext>
+              </a:extLst>
+            </p:cNvPr>
+            <p:cNvSpPr txBox="1"/>
+            <p:nvPr/>
+          </p:nvSpPr>
+          <p:spPr>
+            <a:xfrm>
+              <a:off x="2210409" y="1623908"/>
+              <a:ext cx="2835933" cy="307777"/>
+            </a:xfrm>
+            <a:prstGeom prst="rect">
+              <a:avLst/>
+            </a:prstGeom>
+            <a:solidFill>
+              <a:srgbClr val="69B6CC"/>
+            </a:solidFill>
+          </p:spPr>
+          <p:txBody>
+            <a:bodyPr wrap="square" rtlCol="0">
+              <a:spAutoFit/>
+            </a:bodyPr>
+            <a:lstStyle/>
+            <a:p>
+              <a:r>
+                <a:rPr lang="ko-KR" altLang="en-US" sz="1400" b="1" dirty="0">
+                  <a:solidFill>
+                    <a:schemeClr val="bg1"/>
+                  </a:solidFill>
+                  <a:latin typeface="나눔고딕" panose="020D0604000000000000" pitchFamily="50" charset="-127"/>
+                  <a:ea typeface="나눔고딕" panose="020D0604000000000000" pitchFamily="50" charset="-127"/>
+                  <a:cs typeface="Arial" pitchFamily="34" charset="0"/>
+                </a:rPr>
+                <a:t> </a:t>
+              </a:r>
+              <a:r>
+                <a:rPr lang="en-US" altLang="ko-KR" sz="1400" b="1" dirty="0">
+                  <a:solidFill>
+                    <a:schemeClr val="bg1"/>
+                  </a:solidFill>
+                  <a:latin typeface="나눔고딕" panose="020D0604000000000000" pitchFamily="50" charset="-127"/>
+                  <a:ea typeface="나눔고딕" panose="020D0604000000000000" pitchFamily="50" charset="-127"/>
+                  <a:cs typeface="Arial" pitchFamily="34" charset="0"/>
+                </a:rPr>
+                <a:t>-Sci – Fi </a:t>
+              </a:r>
+              <a:r>
+                <a:rPr lang="ko-KR" altLang="en-US" sz="1400" b="1" dirty="0">
+                  <a:solidFill>
+                    <a:schemeClr val="bg1"/>
+                  </a:solidFill>
+                  <a:latin typeface="나눔고딕" panose="020D0604000000000000" pitchFamily="50" charset="-127"/>
+                  <a:ea typeface="나눔고딕" panose="020D0604000000000000" pitchFamily="50" charset="-127"/>
+                  <a:cs typeface="Arial" pitchFamily="34" charset="0"/>
+                </a:rPr>
+                <a:t>배경</a:t>
+              </a:r>
+              <a:endParaRPr lang="en-US" altLang="ko-KR" sz="1400" b="1" dirty="0">
+                <a:solidFill>
+                  <a:schemeClr val="bg1"/>
+                </a:solidFill>
+                <a:latin typeface="나눔고딕" panose="020D0604000000000000" pitchFamily="50" charset="-127"/>
+                <a:ea typeface="나눔고딕" panose="020D0604000000000000" pitchFamily="50" charset="-127"/>
+                <a:cs typeface="Arial" pitchFamily="34" charset="0"/>
+              </a:endParaRPr>
+            </a:p>
+          </p:txBody>
+        </p:sp>
+        <p:sp>
+          <p:nvSpPr>
+            <p:cNvPr id="20" name="TextBox 19">
+              <a:extLst>
+                <a:ext uri="{FF2B5EF4-FFF2-40B4-BE49-F238E27FC236}">
+                  <a16:creationId xmlns:a16="http://schemas.microsoft.com/office/drawing/2014/main" id="{F66C5FF8-DC91-48B5-8DD7-EC2A70E368F3}"/>
+                </a:ext>
+              </a:extLst>
+            </p:cNvPr>
+            <p:cNvSpPr txBox="1"/>
+            <p:nvPr/>
+          </p:nvSpPr>
+          <p:spPr>
+            <a:xfrm>
+              <a:off x="2227885" y="1330362"/>
+              <a:ext cx="2835932" cy="338554"/>
+            </a:xfrm>
+            <a:prstGeom prst="rect">
+              <a:avLst/>
+            </a:prstGeom>
+            <a:noFill/>
+          </p:spPr>
+          <p:txBody>
+            <a:bodyPr wrap="square" rtlCol="0">
+              <a:spAutoFit/>
+            </a:bodyPr>
+            <a:lstStyle/>
+            <a:p>
+              <a:r>
+                <a:rPr lang="ko-KR" altLang="en-US" sz="1600" b="1" dirty="0">
+                  <a:solidFill>
+                    <a:schemeClr val="bg1"/>
+                  </a:solidFill>
+                  <a:latin typeface="나눔고딕" panose="020D0604000000000000" pitchFamily="50" charset="-127"/>
+                  <a:ea typeface="나눔고딕" panose="020D0604000000000000" pitchFamily="50" charset="-127"/>
+                  <a:cs typeface="Arial" pitchFamily="34" charset="0"/>
+                </a:rPr>
+                <a:t>배경</a:t>
               </a:r>
             </a:p>
           </p:txBody>
@@ -15339,7 +15594,7 @@
               <a:buChar char="-"/>
             </a:pPr>
             <a:r>
-              <a:rPr lang="en-US" altLang="ko-KR" sz="1200" dirty="0">
+              <a:rPr lang="ko-KR" altLang="en-US" sz="1200" dirty="0" err="1">
                 <a:solidFill>
                   <a:schemeClr val="bg1"/>
                 </a:solidFill>
@@ -15347,7 +15602,7 @@
                 <a:ea typeface="나눔고딕" panose="020D0604000000000000" pitchFamily="50" charset="-127"/>
                 <a:cs typeface="Arial" pitchFamily="34" charset="0"/>
               </a:rPr>
-              <a:t>A</a:t>
+              <a:t>트리거버튼을</a:t>
             </a:r>
             <a:r>
               <a:rPr lang="ko-KR" altLang="en-US" sz="1200" dirty="0">
@@ -15358,7 +15613,7 @@
                 <a:ea typeface="나눔고딕" panose="020D0604000000000000" pitchFamily="50" charset="-127"/>
                 <a:cs typeface="Arial" pitchFamily="34" charset="0"/>
               </a:rPr>
-              <a:t>버튼을 이용해 대화를 진행</a:t>
+              <a:t> 이용해 대화를 진행</a:t>
             </a:r>
             <a:r>
               <a:rPr lang="en-US" altLang="ko-KR" sz="1200" dirty="0">
@@ -15671,6 +15926,36 @@
           </a:fontRef>
         </p:style>
       </p:cxnSp>
+      <p:pic>
+        <p:nvPicPr>
+          <p:cNvPr id="4" name="그림 3">
+            <a:extLst>
+              <a:ext uri="{FF2B5EF4-FFF2-40B4-BE49-F238E27FC236}">
+                <a16:creationId xmlns:a16="http://schemas.microsoft.com/office/drawing/2014/main" id="{8DB562CF-5D8A-4572-BE6B-57C88C684A17}"/>
+              </a:ext>
+            </a:extLst>
+          </p:cNvPr>
+          <p:cNvPicPr>
+            <a:picLocks noChangeAspect="1"/>
+          </p:cNvPicPr>
+          <p:nvPr/>
+        </p:nvPicPr>
+        <p:blipFill>
+          <a:blip r:embed="rId4"/>
+          <a:stretch>
+            <a:fillRect/>
+          </a:stretch>
+        </p:blipFill>
+        <p:spPr>
+          <a:xfrm>
+            <a:off x="5004048" y="3075806"/>
+            <a:ext cx="3842504" cy="1587622"/>
+          </a:xfrm>
+          <a:prstGeom prst="rect">
+            <a:avLst/>
+          </a:prstGeom>
+        </p:spPr>
+      </p:pic>
     </p:spTree>
     <p:extLst>
       <p:ext uri="{BB962C8B-B14F-4D97-AF65-F5344CB8AC3E}">
@@ -16149,7 +16434,7 @@
               <a:t>전이 시 </a:t>
             </a:r>
             <a:r>
-              <a:rPr lang="en-US" altLang="ko-KR" sz="1000" dirty="0">
+              <a:rPr lang="en-US" altLang="ko-KR" sz="1000">
                 <a:solidFill>
                   <a:schemeClr val="bg1"/>
                 </a:solidFill>
@@ -16160,6 +16445,17 @@
               <a:t>1</a:t>
             </a:r>
             <a:r>
+              <a:rPr lang="ko-KR" altLang="en-US" sz="1000">
+                <a:solidFill>
+                  <a:schemeClr val="bg1"/>
+                </a:solidFill>
+                <a:latin typeface="나눔고딕" panose="020D0604000000000000" pitchFamily="50" charset="-127"/>
+                <a:ea typeface="나눔고딕" panose="020D0604000000000000" pitchFamily="50" charset="-127"/>
+                <a:cs typeface="Arial" pitchFamily="34" charset="0"/>
+              </a:rPr>
+              <a:t>초간 </a:t>
+            </a:r>
+            <a:r>
               <a:rPr lang="ko-KR" altLang="en-US" sz="1000" dirty="0">
                 <a:solidFill>
                   <a:schemeClr val="bg1"/>
@@ -16168,7 +16464,7 @@
                 <a:ea typeface="나눔고딕" panose="020D0604000000000000" pitchFamily="50" charset="-127"/>
                 <a:cs typeface="Arial" pitchFamily="34" charset="0"/>
               </a:rPr>
-              <a:t>초가 무적상태가 되며</a:t>
+              <a:t>무적상태가 되며</a:t>
             </a:r>
             <a:r>
               <a:rPr lang="en-US" altLang="ko-KR" sz="1000" dirty="0">
@@ -20720,7 +21016,7 @@
           <p:nvPr/>
         </p:nvPicPr>
         <p:blipFill>
-          <a:blip r:embed="rId3">
+          <a:blip r:embed="rId5" cstate="print">
             <a:extLst>
               <a:ext uri="{28A0092B-C50C-407E-A947-70E740481C1C}">
                 <a14:useLocalDpi xmlns:a14="http://schemas.microsoft.com/office/drawing/2010/main" val="0"/>
@@ -20732,8 +21028,8 @@
         </p:blipFill>
         <p:spPr>
           <a:xfrm>
-            <a:off x="4644010" y="1195963"/>
-            <a:ext cx="1096063" cy="1041487"/>
+            <a:off x="4644010" y="1244390"/>
+            <a:ext cx="1096063" cy="944633"/>
           </a:xfrm>
           <a:prstGeom prst="ellipse">
             <a:avLst/>
@@ -21095,7 +21391,7 @@
           <p:nvPr/>
         </p:nvPicPr>
         <p:blipFill>
-          <a:blip r:embed="rId5">
+          <a:blip r:embed="rId6">
             <a:extLst>
               <a:ext uri="{28A0092B-C50C-407E-A947-70E740481C1C}">
                 <a14:useLocalDpi xmlns:a14="http://schemas.microsoft.com/office/drawing/2010/main" val="0"/>
@@ -21130,9 +21426,9 @@
         <p:grpSpPr>
           <a:xfrm>
             <a:off x="5788766" y="2781489"/>
-            <a:ext cx="3168352" cy="582158"/>
+            <a:ext cx="3168352" cy="428269"/>
             <a:chOff x="5004048" y="933547"/>
-            <a:chExt cx="3928481" cy="766938"/>
+            <a:chExt cx="3928481" cy="564204"/>
           </a:xfrm>
         </p:grpSpPr>
         <p:sp>
@@ -21296,7 +21592,7 @@
           <p:spPr>
             <a:xfrm>
               <a:off x="5004048" y="1173378"/>
-              <a:ext cx="3928481" cy="527107"/>
+              <a:ext cx="3928481" cy="324373"/>
             </a:xfrm>
             <a:prstGeom prst="rect">
               <a:avLst/>
@@ -21435,86 +21731,7 @@
                   <a:latin typeface="나눔고딕" panose="020D0604000000000000" pitchFamily="50" charset="-127"/>
                   <a:ea typeface="나눔고딕" panose="020D0604000000000000" pitchFamily="50" charset="-127"/>
                 </a:rPr>
-                <a:t>인력기술</a:t>
-              </a:r>
-              <a:r>
-                <a:rPr lang="en-US" altLang="ko-KR" sz="1000" dirty="0">
-                  <a:solidFill>
-                    <a:schemeClr val="bg1"/>
-                  </a:solidFill>
-                  <a:latin typeface="나눔고딕" panose="020D0604000000000000" pitchFamily="50" charset="-127"/>
-                  <a:ea typeface="나눔고딕" panose="020D0604000000000000" pitchFamily="50" charset="-127"/>
-                </a:rPr>
-                <a:t>, </a:t>
-              </a:r>
-              <a:r>
-                <a:rPr lang="ko-KR" altLang="en-US" sz="1000" dirty="0" err="1">
-                  <a:solidFill>
-                    <a:schemeClr val="bg1"/>
-                  </a:solidFill>
-                  <a:latin typeface="나눔고딕" panose="020D0604000000000000" pitchFamily="50" charset="-127"/>
-                  <a:ea typeface="나눔고딕" panose="020D0604000000000000" pitchFamily="50" charset="-127"/>
-                </a:rPr>
-                <a:t>포탑의</a:t>
-              </a:r>
-              <a:r>
-                <a:rPr lang="ko-KR" altLang="en-US" sz="1000" dirty="0">
-                  <a:solidFill>
-                    <a:schemeClr val="bg1"/>
-                  </a:solidFill>
-                  <a:latin typeface="나눔고딕" panose="020D0604000000000000" pitchFamily="50" charset="-127"/>
-                  <a:ea typeface="나눔고딕" panose="020D0604000000000000" pitchFamily="50" charset="-127"/>
-                </a:rPr>
-                <a:t> 레이저를 </a:t>
-              </a:r>
-              <a:endParaRPr lang="en-US" altLang="ko-KR" sz="1000" dirty="0">
-                <a:solidFill>
-                  <a:schemeClr val="bg1"/>
-                </a:solidFill>
-                <a:latin typeface="나눔고딕" panose="020D0604000000000000" pitchFamily="50" charset="-127"/>
-                <a:ea typeface="나눔고딕" panose="020D0604000000000000" pitchFamily="50" charset="-127"/>
-              </a:endParaRPr>
-            </a:p>
-            <a:p>
-              <a:r>
-                <a:rPr lang="en-US" altLang="ko-KR" sz="1000" dirty="0">
-                  <a:solidFill>
-                    <a:schemeClr val="bg1"/>
-                  </a:solidFill>
-                  <a:latin typeface="나눔고딕" panose="020D0604000000000000" pitchFamily="50" charset="-127"/>
-                  <a:ea typeface="나눔고딕" panose="020D0604000000000000" pitchFamily="50" charset="-127"/>
-                </a:rPr>
-                <a:t>     </a:t>
-              </a:r>
-              <a:r>
-                <a:rPr lang="ko-KR" altLang="en-US" sz="1000" dirty="0">
-                  <a:solidFill>
-                    <a:schemeClr val="bg1"/>
-                  </a:solidFill>
-                  <a:latin typeface="나눔고딕" panose="020D0604000000000000" pitchFamily="50" charset="-127"/>
-                  <a:ea typeface="나눔고딕" panose="020D0604000000000000" pitchFamily="50" charset="-127"/>
-                </a:rPr>
-                <a:t>반사한다</a:t>
-              </a:r>
-              <a:r>
-                <a:rPr lang="en-US" altLang="ko-KR" sz="1000" dirty="0">
-                  <a:solidFill>
-                    <a:schemeClr val="bg1"/>
-                  </a:solidFill>
-                  <a:latin typeface="나눔고딕" panose="020D0604000000000000" pitchFamily="50" charset="-127"/>
-                  <a:ea typeface="나눔고딕" panose="020D0604000000000000" pitchFamily="50" charset="-127"/>
-                </a:rPr>
-                <a:t>.</a:t>
-              </a:r>
-              <a:r>
-                <a:rPr lang="ko-KR" altLang="en-US" sz="1000" dirty="0">
-                  <a:solidFill>
-                    <a:schemeClr val="bg1"/>
-                  </a:solidFill>
-                  <a:latin typeface="나눔고딕" panose="020D0604000000000000" pitchFamily="50" charset="-127"/>
-                  <a:ea typeface="나눔고딕" panose="020D0604000000000000" pitchFamily="50" charset="-127"/>
-                </a:rPr>
-                <a:t> </a:t>
+                <a:t>인력기술을 반사 </a:t>
               </a:r>
               <a:endParaRPr lang="ko-KR" altLang="en-US" sz="1000" dirty="0">
                 <a:solidFill>
@@ -21543,7 +21760,7 @@
           <p:nvPr/>
         </p:nvPicPr>
         <p:blipFill>
-          <a:blip r:embed="rId6">
+          <a:blip r:embed="rId7">
             <a:extLst>
               <a:ext uri="{28A0092B-C50C-407E-A947-70E740481C1C}">
                 <a14:useLocalDpi xmlns:a14="http://schemas.microsoft.com/office/drawing/2010/main" val="0"/>
@@ -22164,7 +22381,7 @@
         </p:nvSpPr>
         <p:spPr>
           <a:xfrm>
-            <a:off x="282123" y="3635354"/>
+            <a:off x="282123" y="3843907"/>
             <a:ext cx="4289877" cy="461665"/>
           </a:xfrm>
           <a:prstGeom prst="rect">
@@ -22363,7 +22580,7 @@
         </p:nvSpPr>
         <p:spPr>
           <a:xfrm>
-            <a:off x="282123" y="4102422"/>
+            <a:off x="282123" y="4310975"/>
             <a:ext cx="4289877" cy="276999"/>
           </a:xfrm>
           <a:prstGeom prst="rect">
@@ -22536,7 +22753,7 @@
         </p:nvSpPr>
         <p:spPr>
           <a:xfrm>
-            <a:off x="5065027" y="3656096"/>
+            <a:off x="5065027" y="3843907"/>
             <a:ext cx="4572000" cy="276999"/>
           </a:xfrm>
           <a:prstGeom prst="rect">
@@ -22581,6 +22798,74 @@
               </a:rPr>
               <a:t>보스의 머리위에 고정되어 생성</a:t>
             </a:r>
+          </a:p>
+        </p:txBody>
+      </p:sp>
+      <p:sp>
+        <p:nvSpPr>
+          <p:cNvPr id="4" name="타원 3">
+            <a:extLst>
+              <a:ext uri="{FF2B5EF4-FFF2-40B4-BE49-F238E27FC236}">
+                <a16:creationId xmlns:a16="http://schemas.microsoft.com/office/drawing/2014/main" id="{BB4EF488-3527-45D0-AF61-9C40DC729945}"/>
+              </a:ext>
+            </a:extLst>
+          </p:cNvPr>
+          <p:cNvSpPr/>
+          <p:nvPr/>
+        </p:nvSpPr>
+        <p:spPr>
+          <a:xfrm>
+            <a:off x="3246358" y="3413795"/>
+            <a:ext cx="177800" cy="177800"/>
+          </a:xfrm>
+          <a:prstGeom prst="ellipse">
+            <a:avLst/>
+          </a:prstGeom>
+          <a:solidFill>
+            <a:schemeClr val="bg1"/>
+          </a:solidFill>
+          <a:ln>
+            <a:solidFill>
+              <a:schemeClr val="tx1"/>
+            </a:solidFill>
+          </a:ln>
+        </p:spPr>
+        <p:style>
+          <a:lnRef idx="2">
+            <a:schemeClr val="accent1">
+              <a:shade val="50000"/>
+            </a:schemeClr>
+          </a:lnRef>
+          <a:fillRef idx="1">
+            <a:schemeClr val="accent1"/>
+          </a:fillRef>
+          <a:effectRef idx="0">
+            <a:schemeClr val="accent1"/>
+          </a:effectRef>
+          <a:fontRef idx="minor">
+            <a:schemeClr val="lt1"/>
+          </a:fontRef>
+        </p:style>
+        <p:txBody>
+          <a:bodyPr rtlCol="0" anchor="ctr"/>
+          <a:lstStyle/>
+          <a:p>
+            <a:pPr algn="ctr"/>
+            <a:r>
+              <a:rPr lang="en-US" altLang="ko-KR" sz="800" dirty="0">
+                <a:solidFill>
+                  <a:sysClr val="windowText" lastClr="000000"/>
+                </a:solidFill>
+                <a:latin typeface="Rockwell Extra Bold" panose="02060903040505020403" pitchFamily="18" charset="0"/>
+              </a:rPr>
+              <a:t>A</a:t>
+            </a:r>
+            <a:endParaRPr lang="ko-KR" altLang="en-US" sz="800" dirty="0">
+              <a:solidFill>
+                <a:sysClr val="windowText" lastClr="000000"/>
+              </a:solidFill>
+              <a:latin typeface="Rockwell Extra Bold" panose="02060903040505020403" pitchFamily="18" charset="0"/>
+            </a:endParaRPr>
           </a:p>
         </p:txBody>
       </p:sp>

--- a/문서/프로젝트_스위칭.pptx
+++ b/문서/프로젝트_스위칭.pptx
@@ -221,7 +221,7 @@
           <a:p>
             <a:fld id="{36B428EB-F3A7-4A96-BB1D-43FE156CDB2B}" type="datetimeFigureOut">
               <a:rPr lang="ko-KR" altLang="en-US" smtClean="0"/>
-              <a:t>2019-09-09</a:t>
+              <a:t>2019-09-11</a:t>
             </a:fld>
             <a:endParaRPr lang="ko-KR" altLang="en-US" dirty="0"/>
           </a:p>
@@ -22801,74 +22801,6 @@
           </a:p>
         </p:txBody>
       </p:sp>
-      <p:sp>
-        <p:nvSpPr>
-          <p:cNvPr id="4" name="타원 3">
-            <a:extLst>
-              <a:ext uri="{FF2B5EF4-FFF2-40B4-BE49-F238E27FC236}">
-                <a16:creationId xmlns:a16="http://schemas.microsoft.com/office/drawing/2014/main" id="{BB4EF488-3527-45D0-AF61-9C40DC729945}"/>
-              </a:ext>
-            </a:extLst>
-          </p:cNvPr>
-          <p:cNvSpPr/>
-          <p:nvPr/>
-        </p:nvSpPr>
-        <p:spPr>
-          <a:xfrm>
-            <a:off x="3246358" y="3413795"/>
-            <a:ext cx="177800" cy="177800"/>
-          </a:xfrm>
-          <a:prstGeom prst="ellipse">
-            <a:avLst/>
-          </a:prstGeom>
-          <a:solidFill>
-            <a:schemeClr val="bg1"/>
-          </a:solidFill>
-          <a:ln>
-            <a:solidFill>
-              <a:schemeClr val="tx1"/>
-            </a:solidFill>
-          </a:ln>
-        </p:spPr>
-        <p:style>
-          <a:lnRef idx="2">
-            <a:schemeClr val="accent1">
-              <a:shade val="50000"/>
-            </a:schemeClr>
-          </a:lnRef>
-          <a:fillRef idx="1">
-            <a:schemeClr val="accent1"/>
-          </a:fillRef>
-          <a:effectRef idx="0">
-            <a:schemeClr val="accent1"/>
-          </a:effectRef>
-          <a:fontRef idx="minor">
-            <a:schemeClr val="lt1"/>
-          </a:fontRef>
-        </p:style>
-        <p:txBody>
-          <a:bodyPr rtlCol="0" anchor="ctr"/>
-          <a:lstStyle/>
-          <a:p>
-            <a:pPr algn="ctr"/>
-            <a:r>
-              <a:rPr lang="en-US" altLang="ko-KR" sz="800" dirty="0">
-                <a:solidFill>
-                  <a:sysClr val="windowText" lastClr="000000"/>
-                </a:solidFill>
-                <a:latin typeface="Rockwell Extra Bold" panose="02060903040505020403" pitchFamily="18" charset="0"/>
-              </a:rPr>
-              <a:t>A</a:t>
-            </a:r>
-            <a:endParaRPr lang="ko-KR" altLang="en-US" sz="800" dirty="0">
-              <a:solidFill>
-                <a:sysClr val="windowText" lastClr="000000"/>
-              </a:solidFill>
-              <a:latin typeface="Rockwell Extra Bold" panose="02060903040505020403" pitchFamily="18" charset="0"/>
-            </a:endParaRPr>
-          </a:p>
-        </p:txBody>
-      </p:sp>
     </p:spTree>
     <p:extLst>
       <p:ext uri="{BB962C8B-B14F-4D97-AF65-F5344CB8AC3E}">
